--- a/seminar/Prezentacija.pptx
+++ b/seminar/Prezentacija.pptx
@@ -1723,7 +1723,7 @@
           </a:bodyPr>
           <a:p>
             <a:pPr algn="r"/>
-            <a:fld id="{2CA96401-A868-4B59-8D7E-C82A9E639828}" type="slidenum">
+            <a:fld id="{1E41D6EE-011B-4BD3-85FF-4DCCC6CDF445}" type="slidenum">
               <a:rPr b="0" lang="en-US" sz="1400" spc="-1" strike="noStrike">
                 <a:latin typeface="Times New Roman"/>
               </a:rPr>
@@ -2005,7 +2005,7 @@
         </p:spPr>
         <p:txBody>
           <a:bodyPr lIns="0" rIns="0" tIns="0" bIns="0">
-            <a:normAutofit fontScale="69000"/>
+            <a:normAutofit/>
           </a:bodyPr>
           <a:p>
             <a:pPr marL="432000" indent="-324000">
@@ -2069,7 +2069,7 @@
               <a:rPr b="0" lang="en-US" sz="3200" spc="-1" strike="noStrike">
                 <a:latin typeface="Arial"/>
               </a:rPr>
-              <a:t>Postoji i naredba </a:t>
+              <a:t>Postoje i naredbe </a:t>
             </a:r>
             <a:r>
               <a:rPr b="0" lang="en-US" sz="3200" spc="-1" strike="noStrike">
@@ -2079,58 +2079,21 @@
             </a:r>
             <a:r>
               <a:rPr b="0" lang="en-US" sz="3200" spc="-1" strike="noStrike">
+                <a:latin typeface="FreeSans"/>
+              </a:rPr>
+              <a:t> i </a:t>
+            </a:r>
+            <a:r>
+              <a:rPr b="0" lang="en-US" sz="3200" spc="-1" strike="noStrike">
+                <a:latin typeface="Courier New"/>
+              </a:rPr>
+              <a:t>ElseIf</a:t>
+            </a:r>
+            <a:r>
+              <a:rPr b="0" lang="en-US" sz="3200" spc="-1" strike="noStrike">
                 <a:latin typeface="Times New Roman"/>
               </a:rPr>
               <a:t>.</a:t>
-            </a:r>
-            <a:endParaRPr b="0" lang="en-US" sz="3200" spc="-1" strike="noStrike">
-              <a:latin typeface="Arial"/>
-            </a:endParaRPr>
-          </a:p>
-          <a:p>
-            <a:pPr marL="432000" indent="-324000">
-              <a:spcBef>
-                <a:spcPts val="1417"/>
-              </a:spcBef>
-              <a:buClr>
-                <a:srgbClr val="000000"/>
-              </a:buClr>
-              <a:buSzPct val="45000"/>
-              <a:buFont typeface="Wingdings" charset="2"/>
-              <a:buChar char=""/>
-            </a:pPr>
-            <a:r>
-              <a:rPr b="0" lang="en-US" sz="3200" spc="-1" strike="noStrike">
-                <a:latin typeface="Arial"/>
-                <a:ea typeface="Tahoma"/>
-              </a:rPr>
-              <a:t>Naredba </a:t>
-            </a:r>
-            <a:r>
-              <a:rPr b="0" lang="en-US" sz="3200" spc="-1" strike="noStrike">
-                <a:latin typeface="Courier New"/>
-                <a:ea typeface="Tahoma"/>
-              </a:rPr>
-              <a:t>ElseIf</a:t>
-            </a:r>
-            <a:r>
-              <a:rPr b="0" lang="en-US" sz="3200" spc="-1" strike="noStrike">
-                <a:latin typeface="Arial"/>
-                <a:ea typeface="Tahoma"/>
-              </a:rPr>
-              <a:t> još nije implementirana, compiler za sada jednostavno ignorira sve što se nakon </a:t>
-            </a:r>
-            <a:r>
-              <a:rPr b="0" lang="en-US" sz="3200" spc="-1" strike="noStrike">
-                <a:latin typeface="Courier New"/>
-              </a:rPr>
-              <a:t>Else</a:t>
-            </a:r>
-            <a:r>
-              <a:rPr b="0" lang="en-US" sz="3200" spc="-1" strike="noStrike">
-                <a:latin typeface="Arial"/>
-              </a:rPr>
-              <a:t> nalazi u istom redu.</a:t>
             </a:r>
             <a:endParaRPr b="0" lang="en-US" sz="3200" spc="-1" strike="noStrike">
               <a:latin typeface="Arial"/>
